--- a/PPT/week9.pptx
+++ b/PPT/week9.pptx
@@ -6649,6 +6649,254 @@
   <p:clrMapOvr>
     <a:masterClrMapping/>
   </p:clrMapOvr>
+  <p:timing>
+    <p:tnLst>
+      <p:par>
+        <p:cTn id="1" dur="indefinite" restart="never" nodeType="tmRoot">
+          <p:childTnLst>
+            <p:seq concurrent="1" nextAc="seek">
+              <p:cTn id="2" dur="indefinite" nodeType="mainSeq">
+                <p:childTnLst>
+                  <p:par>
+                    <p:cTn id="3" fill="hold">
+                      <p:stCondLst>
+                        <p:cond delay="indefinite"/>
+                      </p:stCondLst>
+                      <p:childTnLst>
+                        <p:par>
+                          <p:cTn id="4" fill="hold">
+                            <p:stCondLst>
+                              <p:cond delay="0"/>
+                            </p:stCondLst>
+                            <p:childTnLst>
+                              <p:par>
+                                <p:cTn id="5" presetID="9" presetClass="entr" presetSubtype="0" fill="hold" grpId="0" nodeType="clickEffect">
+                                  <p:stCondLst>
+                                    <p:cond delay="0"/>
+                                  </p:stCondLst>
+                                  <p:childTnLst>
+                                    <p:set>
+                                      <p:cBhvr>
+                                        <p:cTn id="6" dur="1" fill="hold">
+                                          <p:stCondLst>
+                                            <p:cond delay="0"/>
+                                          </p:stCondLst>
+                                        </p:cTn>
+                                        <p:tgtEl>
+                                          <p:spTgt spid="13"/>
+                                        </p:tgtEl>
+                                        <p:attrNameLst>
+                                          <p:attrName>style.visibility</p:attrName>
+                                        </p:attrNameLst>
+                                      </p:cBhvr>
+                                      <p:to>
+                                        <p:strVal val="visible"/>
+                                      </p:to>
+                                    </p:set>
+                                    <p:animEffect transition="in" filter="dissolve">
+                                      <p:cBhvr>
+                                        <p:cTn id="7" dur="500"/>
+                                        <p:tgtEl>
+                                          <p:spTgt spid="13"/>
+                                        </p:tgtEl>
+                                      </p:cBhvr>
+                                    </p:animEffect>
+                                  </p:childTnLst>
+                                </p:cTn>
+                              </p:par>
+                              <p:par>
+                                <p:cTn id="8" presetID="9" presetClass="entr" presetSubtype="0" fill="hold" grpId="0" nodeType="withEffect">
+                                  <p:stCondLst>
+                                    <p:cond delay="0"/>
+                                  </p:stCondLst>
+                                  <p:childTnLst>
+                                    <p:set>
+                                      <p:cBhvr>
+                                        <p:cTn id="9" dur="1" fill="hold">
+                                          <p:stCondLst>
+                                            <p:cond delay="0"/>
+                                          </p:stCondLst>
+                                        </p:cTn>
+                                        <p:tgtEl>
+                                          <p:spTgt spid="4"/>
+                                        </p:tgtEl>
+                                        <p:attrNameLst>
+                                          <p:attrName>style.visibility</p:attrName>
+                                        </p:attrNameLst>
+                                      </p:cBhvr>
+                                      <p:to>
+                                        <p:strVal val="visible"/>
+                                      </p:to>
+                                    </p:set>
+                                    <p:animEffect transition="in" filter="dissolve">
+                                      <p:cBhvr>
+                                        <p:cTn id="10" dur="500"/>
+                                        <p:tgtEl>
+                                          <p:spTgt spid="4"/>
+                                        </p:tgtEl>
+                                      </p:cBhvr>
+                                    </p:animEffect>
+                                  </p:childTnLst>
+                                </p:cTn>
+                              </p:par>
+                              <p:par>
+                                <p:cTn id="11" presetID="9" presetClass="entr" presetSubtype="0" fill="hold" grpId="0" nodeType="withEffect">
+                                  <p:stCondLst>
+                                    <p:cond delay="0"/>
+                                  </p:stCondLst>
+                                  <p:childTnLst>
+                                    <p:set>
+                                      <p:cBhvr>
+                                        <p:cTn id="12" dur="1" fill="hold">
+                                          <p:stCondLst>
+                                            <p:cond delay="0"/>
+                                          </p:stCondLst>
+                                        </p:cTn>
+                                        <p:tgtEl>
+                                          <p:spTgt spid="15"/>
+                                        </p:tgtEl>
+                                        <p:attrNameLst>
+                                          <p:attrName>style.visibility</p:attrName>
+                                        </p:attrNameLst>
+                                      </p:cBhvr>
+                                      <p:to>
+                                        <p:strVal val="visible"/>
+                                      </p:to>
+                                    </p:set>
+                                    <p:animEffect transition="in" filter="dissolve">
+                                      <p:cBhvr>
+                                        <p:cTn id="13" dur="500"/>
+                                        <p:tgtEl>
+                                          <p:spTgt spid="15"/>
+                                        </p:tgtEl>
+                                      </p:cBhvr>
+                                    </p:animEffect>
+                                  </p:childTnLst>
+                                </p:cTn>
+                              </p:par>
+                              <p:par>
+                                <p:cTn id="14" presetID="9" presetClass="entr" presetSubtype="0" fill="hold" grpId="0" nodeType="withEffect">
+                                  <p:stCondLst>
+                                    <p:cond delay="0"/>
+                                  </p:stCondLst>
+                                  <p:childTnLst>
+                                    <p:set>
+                                      <p:cBhvr>
+                                        <p:cTn id="15" dur="1" fill="hold">
+                                          <p:stCondLst>
+                                            <p:cond delay="0"/>
+                                          </p:stCondLst>
+                                        </p:cTn>
+                                        <p:tgtEl>
+                                          <p:spTgt spid="9"/>
+                                        </p:tgtEl>
+                                        <p:attrNameLst>
+                                          <p:attrName>style.visibility</p:attrName>
+                                        </p:attrNameLst>
+                                      </p:cBhvr>
+                                      <p:to>
+                                        <p:strVal val="visible"/>
+                                      </p:to>
+                                    </p:set>
+                                    <p:animEffect transition="in" filter="dissolve">
+                                      <p:cBhvr>
+                                        <p:cTn id="16" dur="500"/>
+                                        <p:tgtEl>
+                                          <p:spTgt spid="9"/>
+                                        </p:tgtEl>
+                                      </p:cBhvr>
+                                    </p:animEffect>
+                                  </p:childTnLst>
+                                </p:cTn>
+                              </p:par>
+                            </p:childTnLst>
+                          </p:cTn>
+                        </p:par>
+                      </p:childTnLst>
+                    </p:cTn>
+                  </p:par>
+                  <p:par>
+                    <p:cTn id="17" fill="hold">
+                      <p:stCondLst>
+                        <p:cond delay="indefinite"/>
+                      </p:stCondLst>
+                      <p:childTnLst>
+                        <p:par>
+                          <p:cTn id="18" fill="hold">
+                            <p:stCondLst>
+                              <p:cond delay="0"/>
+                            </p:stCondLst>
+                            <p:childTnLst>
+                              <p:par>
+                                <p:cTn id="19" presetID="9" presetClass="entr" presetSubtype="0" fill="hold" grpId="0" nodeType="clickEffect">
+                                  <p:stCondLst>
+                                    <p:cond delay="0"/>
+                                  </p:stCondLst>
+                                  <p:childTnLst>
+                                    <p:set>
+                                      <p:cBhvr>
+                                        <p:cTn id="20" dur="1" fill="hold">
+                                          <p:stCondLst>
+                                            <p:cond delay="0"/>
+                                          </p:stCondLst>
+                                        </p:cTn>
+                                        <p:tgtEl>
+                                          <p:spTgt spid="16"/>
+                                        </p:tgtEl>
+                                        <p:attrNameLst>
+                                          <p:attrName>style.visibility</p:attrName>
+                                        </p:attrNameLst>
+                                      </p:cBhvr>
+                                      <p:to>
+                                        <p:strVal val="visible"/>
+                                      </p:to>
+                                    </p:set>
+                                    <p:animEffect transition="in" filter="dissolve">
+                                      <p:cBhvr>
+                                        <p:cTn id="21" dur="500"/>
+                                        <p:tgtEl>
+                                          <p:spTgt spid="16"/>
+                                        </p:tgtEl>
+                                      </p:cBhvr>
+                                    </p:animEffect>
+                                  </p:childTnLst>
+                                </p:cTn>
+                              </p:par>
+                            </p:childTnLst>
+                          </p:cTn>
+                        </p:par>
+                      </p:childTnLst>
+                    </p:cTn>
+                  </p:par>
+                </p:childTnLst>
+              </p:cTn>
+              <p:prevCondLst>
+                <p:cond evt="onPrev" delay="0">
+                  <p:tgtEl>
+                    <p:sldTgt/>
+                  </p:tgtEl>
+                </p:cond>
+              </p:prevCondLst>
+              <p:nextCondLst>
+                <p:cond evt="onNext" delay="0">
+                  <p:tgtEl>
+                    <p:sldTgt/>
+                  </p:tgtEl>
+                </p:cond>
+              </p:nextCondLst>
+            </p:seq>
+          </p:childTnLst>
+        </p:cTn>
+      </p:par>
+    </p:tnLst>
+    <p:bldLst>
+      <p:bldP spid="9" grpId="0"/>
+      <p:bldP spid="13" grpId="0"/>
+      <p:bldP spid="4" grpId="0"/>
+      <p:bldP spid="15" grpId="0"/>
+      <p:bldP spid="16" grpId="0"/>
+    </p:bldLst>
+  </p:timing>
 </p:sld>
 </file>
 
@@ -7016,6 +7264,92 @@
   <p:clrMapOvr>
     <a:masterClrMapping/>
   </p:clrMapOvr>
+  <p:timing>
+    <p:tnLst>
+      <p:par>
+        <p:cTn id="1" dur="indefinite" restart="never" nodeType="tmRoot">
+          <p:childTnLst>
+            <p:seq concurrent="1" nextAc="seek">
+              <p:cTn id="2" dur="indefinite" nodeType="mainSeq">
+                <p:childTnLst>
+                  <p:par>
+                    <p:cTn id="3" fill="hold">
+                      <p:stCondLst>
+                        <p:cond delay="indefinite"/>
+                      </p:stCondLst>
+                      <p:childTnLst>
+                        <p:par>
+                          <p:cTn id="4" fill="hold">
+                            <p:stCondLst>
+                              <p:cond delay="0"/>
+                            </p:stCondLst>
+                            <p:childTnLst>
+                              <p:par>
+                                <p:cTn id="5" presetID="3" presetClass="entr" presetSubtype="10" fill="hold" grpId="0" nodeType="clickEffect">
+                                  <p:stCondLst>
+                                    <p:cond delay="0"/>
+                                  </p:stCondLst>
+                                  <p:childTnLst>
+                                    <p:set>
+                                      <p:cBhvr>
+                                        <p:cTn id="6" dur="1" fill="hold">
+                                          <p:stCondLst>
+                                            <p:cond delay="0"/>
+                                          </p:stCondLst>
+                                        </p:cTn>
+                                        <p:tgtEl>
+                                          <p:spTgt spid="7"/>
+                                        </p:tgtEl>
+                                        <p:attrNameLst>
+                                          <p:attrName>style.visibility</p:attrName>
+                                        </p:attrNameLst>
+                                      </p:cBhvr>
+                                      <p:to>
+                                        <p:strVal val="visible"/>
+                                      </p:to>
+                                    </p:set>
+                                    <p:animEffect transition="in" filter="blinds(horizontal)">
+                                      <p:cBhvr>
+                                        <p:cTn id="7" dur="500"/>
+                                        <p:tgtEl>
+                                          <p:spTgt spid="7"/>
+                                        </p:tgtEl>
+                                      </p:cBhvr>
+                                    </p:animEffect>
+                                  </p:childTnLst>
+                                </p:cTn>
+                              </p:par>
+                            </p:childTnLst>
+                          </p:cTn>
+                        </p:par>
+                      </p:childTnLst>
+                    </p:cTn>
+                  </p:par>
+                </p:childTnLst>
+              </p:cTn>
+              <p:prevCondLst>
+                <p:cond evt="onPrev" delay="0">
+                  <p:tgtEl>
+                    <p:sldTgt/>
+                  </p:tgtEl>
+                </p:cond>
+              </p:prevCondLst>
+              <p:nextCondLst>
+                <p:cond evt="onNext" delay="0">
+                  <p:tgtEl>
+                    <p:sldTgt/>
+                  </p:tgtEl>
+                </p:cond>
+              </p:nextCondLst>
+            </p:seq>
+          </p:childTnLst>
+        </p:cTn>
+      </p:par>
+    </p:tnLst>
+    <p:bldLst>
+      <p:bldP spid="7" grpId="0" animBg="1"/>
+    </p:bldLst>
+  </p:timing>
 </p:sld>
 </file>
 
@@ -7851,6 +8185,124 @@
   <p:clrMapOvr>
     <a:masterClrMapping/>
   </p:clrMapOvr>
+  <p:timing>
+    <p:tnLst>
+      <p:par>
+        <p:cTn id="1" dur="indefinite" restart="never" nodeType="tmRoot">
+          <p:childTnLst>
+            <p:seq concurrent="1" nextAc="seek">
+              <p:cTn id="2" dur="indefinite" nodeType="mainSeq">
+                <p:childTnLst>
+                  <p:par>
+                    <p:cTn id="3" fill="hold">
+                      <p:stCondLst>
+                        <p:cond delay="indefinite"/>
+                      </p:stCondLst>
+                      <p:childTnLst>
+                        <p:par>
+                          <p:cTn id="4" fill="hold">
+                            <p:stCondLst>
+                              <p:cond delay="0"/>
+                            </p:stCondLst>
+                            <p:childTnLst>
+                              <p:par>
+                                <p:cTn id="5" presetID="9" presetClass="entr" presetSubtype="0" fill="hold" nodeType="clickEffect">
+                                  <p:stCondLst>
+                                    <p:cond delay="0"/>
+                                  </p:stCondLst>
+                                  <p:childTnLst>
+                                    <p:set>
+                                      <p:cBhvr>
+                                        <p:cTn id="6" dur="1" fill="hold">
+                                          <p:stCondLst>
+                                            <p:cond delay="0"/>
+                                          </p:stCondLst>
+                                        </p:cTn>
+                                        <p:tgtEl>
+                                          <p:spTgt spid="8"/>
+                                        </p:tgtEl>
+                                        <p:attrNameLst>
+                                          <p:attrName>style.visibility</p:attrName>
+                                        </p:attrNameLst>
+                                      </p:cBhvr>
+                                      <p:to>
+                                        <p:strVal val="visible"/>
+                                      </p:to>
+                                    </p:set>
+                                    <p:animEffect transition="in" filter="dissolve">
+                                      <p:cBhvr>
+                                        <p:cTn id="7" dur="500"/>
+                                        <p:tgtEl>
+                                          <p:spTgt spid="8"/>
+                                        </p:tgtEl>
+                                      </p:cBhvr>
+                                    </p:animEffect>
+                                  </p:childTnLst>
+                                </p:cTn>
+                              </p:par>
+                              <p:par>
+                                <p:cTn id="8" presetID="9" presetClass="entr" presetSubtype="0" fill="hold" nodeType="withEffect">
+                                  <p:stCondLst>
+                                    <p:cond delay="0"/>
+                                  </p:stCondLst>
+                                  <p:childTnLst>
+                                    <p:set>
+                                      <p:cBhvr>
+                                        <p:cTn id="9" dur="1" fill="hold">
+                                          <p:stCondLst>
+                                            <p:cond delay="0"/>
+                                          </p:stCondLst>
+                                        </p:cTn>
+                                        <p:tgtEl>
+                                          <p:spTgt spid="10"/>
+                                        </p:tgtEl>
+                                        <p:attrNameLst>
+                                          <p:attrName>style.visibility</p:attrName>
+                                        </p:attrNameLst>
+                                      </p:cBhvr>
+                                      <p:to>
+                                        <p:strVal val="visible"/>
+                                      </p:to>
+                                    </p:set>
+                                    <p:animEffect transition="in" filter="dissolve">
+                                      <p:cBhvr>
+                                        <p:cTn id="10" dur="500"/>
+                                        <p:tgtEl>
+                                          <p:spTgt spid="10"/>
+                                        </p:tgtEl>
+                                      </p:cBhvr>
+                                    </p:animEffect>
+                                  </p:childTnLst>
+                                </p:cTn>
+                              </p:par>
+                            </p:childTnLst>
+                          </p:cTn>
+                        </p:par>
+                      </p:childTnLst>
+                    </p:cTn>
+                  </p:par>
+                </p:childTnLst>
+              </p:cTn>
+              <p:prevCondLst>
+                <p:cond evt="onPrev" delay="0">
+                  <p:tgtEl>
+                    <p:sldTgt/>
+                  </p:tgtEl>
+                </p:cond>
+              </p:prevCondLst>
+              <p:nextCondLst>
+                <p:cond evt="onNext" delay="0">
+                  <p:tgtEl>
+                    <p:sldTgt/>
+                  </p:tgtEl>
+                </p:cond>
+              </p:nextCondLst>
+            </p:seq>
+          </p:childTnLst>
+        </p:cTn>
+      </p:par>
+    </p:tnLst>
+  </p:timing>
 </p:sld>
 </file>
 
@@ -8188,6 +8640,251 @@
   <p:clrMapOvr>
     <a:masterClrMapping/>
   </p:clrMapOvr>
+  <p:timing>
+    <p:tnLst>
+      <p:par>
+        <p:cTn id="1" dur="indefinite" restart="never" nodeType="tmRoot">
+          <p:childTnLst>
+            <p:seq concurrent="1" nextAc="seek">
+              <p:cTn id="2" dur="indefinite" nodeType="mainSeq">
+                <p:childTnLst>
+                  <p:par>
+                    <p:cTn id="3" fill="hold">
+                      <p:stCondLst>
+                        <p:cond delay="indefinite"/>
+                      </p:stCondLst>
+                      <p:childTnLst>
+                        <p:par>
+                          <p:cTn id="4" fill="hold">
+                            <p:stCondLst>
+                              <p:cond delay="0"/>
+                            </p:stCondLst>
+                            <p:childTnLst>
+                              <p:par>
+                                <p:cTn id="5" presetID="9" presetClass="entr" presetSubtype="0" fill="hold" nodeType="clickEffect">
+                                  <p:stCondLst>
+                                    <p:cond delay="0"/>
+                                  </p:stCondLst>
+                                  <p:childTnLst>
+                                    <p:set>
+                                      <p:cBhvr>
+                                        <p:cTn id="6" dur="1" fill="hold">
+                                          <p:stCondLst>
+                                            <p:cond delay="0"/>
+                                          </p:stCondLst>
+                                        </p:cTn>
+                                        <p:tgtEl>
+                                          <p:spTgt spid="5"/>
+                                        </p:tgtEl>
+                                        <p:attrNameLst>
+                                          <p:attrName>style.visibility</p:attrName>
+                                        </p:attrNameLst>
+                                      </p:cBhvr>
+                                      <p:to>
+                                        <p:strVal val="visible"/>
+                                      </p:to>
+                                    </p:set>
+                                    <p:animEffect transition="in" filter="dissolve">
+                                      <p:cBhvr>
+                                        <p:cTn id="7" dur="500"/>
+                                        <p:tgtEl>
+                                          <p:spTgt spid="5"/>
+                                        </p:tgtEl>
+                                      </p:cBhvr>
+                                    </p:animEffect>
+                                  </p:childTnLst>
+                                </p:cTn>
+                              </p:par>
+                              <p:par>
+                                <p:cTn id="8" presetID="9" presetClass="entr" presetSubtype="0" fill="hold" nodeType="withEffect">
+                                  <p:stCondLst>
+                                    <p:cond delay="0"/>
+                                  </p:stCondLst>
+                                  <p:childTnLst>
+                                    <p:set>
+                                      <p:cBhvr>
+                                        <p:cTn id="9" dur="1" fill="hold">
+                                          <p:stCondLst>
+                                            <p:cond delay="0"/>
+                                          </p:stCondLst>
+                                        </p:cTn>
+                                        <p:tgtEl>
+                                          <p:spTgt spid="9"/>
+                                        </p:tgtEl>
+                                        <p:attrNameLst>
+                                          <p:attrName>style.visibility</p:attrName>
+                                        </p:attrNameLst>
+                                      </p:cBhvr>
+                                      <p:to>
+                                        <p:strVal val="visible"/>
+                                      </p:to>
+                                    </p:set>
+                                    <p:animEffect transition="in" filter="dissolve">
+                                      <p:cBhvr>
+                                        <p:cTn id="10" dur="500"/>
+                                        <p:tgtEl>
+                                          <p:spTgt spid="9"/>
+                                        </p:tgtEl>
+                                      </p:cBhvr>
+                                    </p:animEffect>
+                                  </p:childTnLst>
+                                </p:cTn>
+                              </p:par>
+                              <p:par>
+                                <p:cTn id="11" presetID="9" presetClass="entr" presetSubtype="0" fill="hold" nodeType="withEffect">
+                                  <p:stCondLst>
+                                    <p:cond delay="0"/>
+                                  </p:stCondLst>
+                                  <p:childTnLst>
+                                    <p:set>
+                                      <p:cBhvr>
+                                        <p:cTn id="12" dur="1" fill="hold">
+                                          <p:stCondLst>
+                                            <p:cond delay="0"/>
+                                          </p:stCondLst>
+                                        </p:cTn>
+                                        <p:tgtEl>
+                                          <p:spTgt spid="10"/>
+                                        </p:tgtEl>
+                                        <p:attrNameLst>
+                                          <p:attrName>style.visibility</p:attrName>
+                                        </p:attrNameLst>
+                                      </p:cBhvr>
+                                      <p:to>
+                                        <p:strVal val="visible"/>
+                                      </p:to>
+                                    </p:set>
+                                    <p:animEffect transition="in" filter="dissolve">
+                                      <p:cBhvr>
+                                        <p:cTn id="13" dur="500"/>
+                                        <p:tgtEl>
+                                          <p:spTgt spid="10"/>
+                                        </p:tgtEl>
+                                      </p:cBhvr>
+                                    </p:animEffect>
+                                  </p:childTnLst>
+                                </p:cTn>
+                              </p:par>
+                            </p:childTnLst>
+                          </p:cTn>
+                        </p:par>
+                      </p:childTnLst>
+                    </p:cTn>
+                  </p:par>
+                  <p:par>
+                    <p:cTn id="14" fill="hold">
+                      <p:stCondLst>
+                        <p:cond delay="indefinite"/>
+                      </p:stCondLst>
+                      <p:childTnLst>
+                        <p:par>
+                          <p:cTn id="15" fill="hold">
+                            <p:stCondLst>
+                              <p:cond delay="0"/>
+                            </p:stCondLst>
+                            <p:childTnLst>
+                              <p:par>
+                                <p:cTn id="16" presetID="9" presetClass="entr" presetSubtype="0" fill="hold" grpId="0" nodeType="clickEffect">
+                                  <p:stCondLst>
+                                    <p:cond delay="0"/>
+                                  </p:stCondLst>
+                                  <p:childTnLst>
+                                    <p:set>
+                                      <p:cBhvr>
+                                        <p:cTn id="17" dur="1" fill="hold">
+                                          <p:stCondLst>
+                                            <p:cond delay="0"/>
+                                          </p:stCondLst>
+                                        </p:cTn>
+                                        <p:tgtEl>
+                                          <p:spTgt spid="11"/>
+                                        </p:tgtEl>
+                                        <p:attrNameLst>
+                                          <p:attrName>style.visibility</p:attrName>
+                                        </p:attrNameLst>
+                                      </p:cBhvr>
+                                      <p:to>
+                                        <p:strVal val="visible"/>
+                                      </p:to>
+                                    </p:set>
+                                    <p:animEffect transition="in" filter="dissolve">
+                                      <p:cBhvr>
+                                        <p:cTn id="18" dur="500"/>
+                                        <p:tgtEl>
+                                          <p:spTgt spid="11"/>
+                                        </p:tgtEl>
+                                      </p:cBhvr>
+                                    </p:animEffect>
+                                  </p:childTnLst>
+                                </p:cTn>
+                              </p:par>
+                              <p:par>
+                                <p:cTn id="19" presetID="9" presetClass="entr" presetSubtype="0" fill="hold" grpId="0" nodeType="withEffect">
+                                  <p:stCondLst>
+                                    <p:cond delay="0"/>
+                                  </p:stCondLst>
+                                  <p:childTnLst>
+                                    <p:set>
+                                      <p:cBhvr>
+                                        <p:cTn id="20" dur="1" fill="hold">
+                                          <p:stCondLst>
+                                            <p:cond delay="0"/>
+                                          </p:stCondLst>
+                                        </p:cTn>
+                                        <p:tgtEl>
+                                          <p:spTgt spid="12"/>
+                                        </p:tgtEl>
+                                        <p:attrNameLst>
+                                          <p:attrName>style.visibility</p:attrName>
+                                        </p:attrNameLst>
+                                      </p:cBhvr>
+                                      <p:to>
+                                        <p:strVal val="visible"/>
+                                      </p:to>
+                                    </p:set>
+                                    <p:animEffect transition="in" filter="dissolve">
+                                      <p:cBhvr>
+                                        <p:cTn id="21" dur="500"/>
+                                        <p:tgtEl>
+                                          <p:spTgt spid="12"/>
+                                        </p:tgtEl>
+                                      </p:cBhvr>
+                                    </p:animEffect>
+                                  </p:childTnLst>
+                                </p:cTn>
+                              </p:par>
+                            </p:childTnLst>
+                          </p:cTn>
+                        </p:par>
+                      </p:childTnLst>
+                    </p:cTn>
+                  </p:par>
+                </p:childTnLst>
+              </p:cTn>
+              <p:prevCondLst>
+                <p:cond evt="onPrev" delay="0">
+                  <p:tgtEl>
+                    <p:sldTgt/>
+                  </p:tgtEl>
+                </p:cond>
+              </p:prevCondLst>
+              <p:nextCondLst>
+                <p:cond evt="onNext" delay="0">
+                  <p:tgtEl>
+                    <p:sldTgt/>
+                  </p:tgtEl>
+                </p:cond>
+              </p:nextCondLst>
+            </p:seq>
+          </p:childTnLst>
+        </p:cTn>
+      </p:par>
+    </p:tnLst>
+    <p:bldLst>
+      <p:bldP spid="11" grpId="0" animBg="1"/>
+      <p:bldP spid="12" grpId="0" animBg="1"/>
+    </p:bldLst>
+  </p:timing>
 </p:sld>
 </file>
 
@@ -8464,62 +9161,6 @@
       </p:sp>
       <p:sp>
         <p:nvSpPr>
-          <p:cNvPr id="7" name="TextBox 6">
-            <a:extLst>
-              <a:ext uri="{FF2B5EF4-FFF2-40B4-BE49-F238E27FC236}">
-                <a16:creationId xmlns:a16="http://schemas.microsoft.com/office/drawing/2014/main" id="{C59B130D-9C14-DD40-A4A1-6EDF3AC94AA0}"/>
-              </a:ext>
-            </a:extLst>
-          </p:cNvPr>
-          <p:cNvSpPr txBox="1"/>
-          <p:nvPr/>
-        </p:nvSpPr>
-        <p:spPr>
-          <a:xfrm>
-            <a:off x="1030112" y="1121597"/>
-            <a:ext cx="1741182" cy="584775"/>
-          </a:xfrm>
-          <a:prstGeom prst="rect">
-            <a:avLst/>
-          </a:prstGeom>
-          <a:noFill/>
-        </p:spPr>
-        <p:txBody>
-          <a:bodyPr wrap="none" rtlCol="0">
-            <a:spAutoFit/>
-          </a:bodyPr>
-          <a:lstStyle/>
-          <a:p>
-            <a:pPr marL="571500" marR="0" lvl="0" indent="-571500" defTabSz="914400" eaLnBrk="1" fontAlgn="auto" latinLnBrk="0" hangingPunct="1">
-              <a:lnSpc>
-                <a:spcPct val="100000"/>
-              </a:lnSpc>
-              <a:spcBef>
-                <a:spcPts val="0"/>
-              </a:spcBef>
-              <a:spcAft>
-                <a:spcPts val="0"/>
-              </a:spcAft>
-              <a:buClrTx/>
-              <a:buSzTx/>
-              <a:buFontTx/>
-              <a:buNone/>
-              <a:tabLst/>
-              <a:defRPr/>
-            </a:pPr>
-            <a:r>
-              <a:rPr kumimoji="1" lang="en-US" altLang="ko-KR" sz="3200" dirty="0">
-                <a:latin typeface="HYsanB" charset="-127"/>
-                <a:ea typeface="HYsanB" charset="-127"/>
-                <a:cs typeface="HYsanB" charset="-127"/>
-              </a:rPr>
-              <a:t>UI part</a:t>
-            </a:r>
-          </a:p>
-        </p:txBody>
-      </p:sp>
-      <p:sp>
-        <p:nvSpPr>
           <p:cNvPr id="4" name="직사각형 3">
             <a:extLst>
               <a:ext uri="{FF2B5EF4-FFF2-40B4-BE49-F238E27FC236}">
@@ -8692,6 +9333,96 @@
           </a:p>
         </p:txBody>
       </p:sp>
+      <p:pic>
+        <p:nvPicPr>
+          <p:cNvPr id="6" name="그림 5">
+            <a:extLst>
+              <a:ext uri="{FF2B5EF4-FFF2-40B4-BE49-F238E27FC236}">
+                <a16:creationId xmlns:a16="http://schemas.microsoft.com/office/drawing/2014/main" id="{84BE3DE4-070D-5146-A38B-B9E03535D99B}"/>
+              </a:ext>
+            </a:extLst>
+          </p:cNvPr>
+          <p:cNvPicPr>
+            <a:picLocks noChangeAspect="1"/>
+          </p:cNvPicPr>
+          <p:nvPr/>
+        </p:nvPicPr>
+        <p:blipFill>
+          <a:blip r:embed="rId2"/>
+          <a:stretch>
+            <a:fillRect/>
+          </a:stretch>
+        </p:blipFill>
+        <p:spPr>
+          <a:xfrm>
+            <a:off x="1679597" y="750754"/>
+            <a:ext cx="2107417" cy="3746519"/>
+          </a:xfrm>
+          <a:prstGeom prst="rect">
+            <a:avLst/>
+          </a:prstGeom>
+        </p:spPr>
+      </p:pic>
+      <p:pic>
+        <p:nvPicPr>
+          <p:cNvPr id="11" name="그림 10">
+            <a:extLst>
+              <a:ext uri="{FF2B5EF4-FFF2-40B4-BE49-F238E27FC236}">
+                <a16:creationId xmlns:a16="http://schemas.microsoft.com/office/drawing/2014/main" id="{B3DD3075-BC06-6945-838F-702355080579}"/>
+              </a:ext>
+            </a:extLst>
+          </p:cNvPr>
+          <p:cNvPicPr>
+            <a:picLocks noChangeAspect="1"/>
+          </p:cNvPicPr>
+          <p:nvPr/>
+        </p:nvPicPr>
+        <p:blipFill>
+          <a:blip r:embed="rId3"/>
+          <a:stretch>
+            <a:fillRect/>
+          </a:stretch>
+        </p:blipFill>
+        <p:spPr>
+          <a:xfrm>
+            <a:off x="5042292" y="763682"/>
+            <a:ext cx="2107416" cy="3746517"/>
+          </a:xfrm>
+          <a:prstGeom prst="rect">
+            <a:avLst/>
+          </a:prstGeom>
+        </p:spPr>
+      </p:pic>
+      <p:pic>
+        <p:nvPicPr>
+          <p:cNvPr id="13" name="그림 12">
+            <a:extLst>
+              <a:ext uri="{FF2B5EF4-FFF2-40B4-BE49-F238E27FC236}">
+                <a16:creationId xmlns:a16="http://schemas.microsoft.com/office/drawing/2014/main" id="{FACFDC37-4D14-7F4A-BB8C-9DC7ADBD7262}"/>
+              </a:ext>
+            </a:extLst>
+          </p:cNvPr>
+          <p:cNvPicPr>
+            <a:picLocks noChangeAspect="1"/>
+          </p:cNvPicPr>
+          <p:nvPr/>
+        </p:nvPicPr>
+        <p:blipFill>
+          <a:blip r:embed="rId4"/>
+          <a:stretch>
+            <a:fillRect/>
+          </a:stretch>
+        </p:blipFill>
+        <p:spPr>
+          <a:xfrm>
+            <a:off x="8404985" y="750758"/>
+            <a:ext cx="2107415" cy="3746515"/>
+          </a:xfrm>
+          <a:prstGeom prst="rect">
+            <a:avLst/>
+          </a:prstGeom>
+        </p:spPr>
+      </p:pic>
     </p:spTree>
     <p:extLst>
       <p:ext uri="{BB962C8B-B14F-4D97-AF65-F5344CB8AC3E}">
@@ -8793,62 +9524,6 @@
       </p:sp>
       <p:sp>
         <p:nvSpPr>
-          <p:cNvPr id="7" name="TextBox 6">
-            <a:extLst>
-              <a:ext uri="{FF2B5EF4-FFF2-40B4-BE49-F238E27FC236}">
-                <a16:creationId xmlns:a16="http://schemas.microsoft.com/office/drawing/2014/main" id="{C59B130D-9C14-DD40-A4A1-6EDF3AC94AA0}"/>
-              </a:ext>
-            </a:extLst>
-          </p:cNvPr>
-          <p:cNvSpPr txBox="1"/>
-          <p:nvPr/>
-        </p:nvSpPr>
-        <p:spPr>
-          <a:xfrm>
-            <a:off x="1030112" y="1121597"/>
-            <a:ext cx="1741182" cy="584775"/>
-          </a:xfrm>
-          <a:prstGeom prst="rect">
-            <a:avLst/>
-          </a:prstGeom>
-          <a:noFill/>
-        </p:spPr>
-        <p:txBody>
-          <a:bodyPr wrap="none" rtlCol="0">
-            <a:spAutoFit/>
-          </a:bodyPr>
-          <a:lstStyle/>
-          <a:p>
-            <a:pPr marL="571500" marR="0" lvl="0" indent="-571500" defTabSz="914400" eaLnBrk="1" fontAlgn="auto" latinLnBrk="0" hangingPunct="1">
-              <a:lnSpc>
-                <a:spcPct val="100000"/>
-              </a:lnSpc>
-              <a:spcBef>
-                <a:spcPts val="0"/>
-              </a:spcBef>
-              <a:spcAft>
-                <a:spcPts val="0"/>
-              </a:spcAft>
-              <a:buClrTx/>
-              <a:buSzTx/>
-              <a:buFontTx/>
-              <a:buNone/>
-              <a:tabLst/>
-              <a:defRPr/>
-            </a:pPr>
-            <a:r>
-              <a:rPr kumimoji="1" lang="en-US" altLang="ko-KR" sz="3200" dirty="0">
-                <a:latin typeface="HYsanB" charset="-127"/>
-                <a:ea typeface="HYsanB" charset="-127"/>
-                <a:cs typeface="HYsanB" charset="-127"/>
-              </a:rPr>
-              <a:t>UI part</a:t>
-            </a:r>
-          </a:p>
-        </p:txBody>
-      </p:sp>
-      <p:sp>
-        <p:nvSpPr>
           <p:cNvPr id="4" name="직사각형 3">
             <a:extLst>
               <a:ext uri="{FF2B5EF4-FFF2-40B4-BE49-F238E27FC236}">
@@ -8953,6 +9628,36 @@
           </a:p>
         </p:txBody>
       </p:sp>
+      <p:pic>
+        <p:nvPicPr>
+          <p:cNvPr id="6" name="그림 5">
+            <a:extLst>
+              <a:ext uri="{FF2B5EF4-FFF2-40B4-BE49-F238E27FC236}">
+                <a16:creationId xmlns:a16="http://schemas.microsoft.com/office/drawing/2014/main" id="{CAC42C1C-AE94-D540-BDFC-CD2FA6229587}"/>
+              </a:ext>
+            </a:extLst>
+          </p:cNvPr>
+          <p:cNvPicPr>
+            <a:picLocks noChangeAspect="1"/>
+          </p:cNvPicPr>
+          <p:nvPr/>
+        </p:nvPicPr>
+        <p:blipFill>
+          <a:blip r:embed="rId2"/>
+          <a:stretch>
+            <a:fillRect/>
+          </a:stretch>
+        </p:blipFill>
+        <p:spPr>
+          <a:xfrm>
+            <a:off x="7454767" y="757096"/>
+            <a:ext cx="2103849" cy="3740177"/>
+          </a:xfrm>
+          <a:prstGeom prst="rect">
+            <a:avLst/>
+          </a:prstGeom>
+        </p:spPr>
+      </p:pic>
     </p:spTree>
     <p:extLst>
       <p:ext uri="{BB962C8B-B14F-4D97-AF65-F5344CB8AC3E}">
@@ -9248,6 +9953,225 @@
   <p:clrMapOvr>
     <a:masterClrMapping/>
   </p:clrMapOvr>
+  <p:timing>
+    <p:tnLst>
+      <p:par>
+        <p:cTn id="1" dur="indefinite" restart="never" nodeType="tmRoot">
+          <p:childTnLst>
+            <p:seq concurrent="1" nextAc="seek">
+              <p:cTn id="2" dur="indefinite" nodeType="mainSeq">
+                <p:childTnLst>
+                  <p:par>
+                    <p:cTn id="3" fill="hold">
+                      <p:stCondLst>
+                        <p:cond delay="indefinite"/>
+                      </p:stCondLst>
+                      <p:childTnLst>
+                        <p:par>
+                          <p:cTn id="4" fill="hold">
+                            <p:stCondLst>
+                              <p:cond delay="0"/>
+                            </p:stCondLst>
+                            <p:childTnLst>
+                              <p:par>
+                                <p:cTn id="5" presetID="9" presetClass="entr" presetSubtype="0" fill="hold" nodeType="clickEffect">
+                                  <p:stCondLst>
+                                    <p:cond delay="0"/>
+                                  </p:stCondLst>
+                                  <p:childTnLst>
+                                    <p:set>
+                                      <p:cBhvr>
+                                        <p:cTn id="6" dur="1" fill="hold">
+                                          <p:stCondLst>
+                                            <p:cond delay="0"/>
+                                          </p:stCondLst>
+                                        </p:cTn>
+                                        <p:tgtEl>
+                                          <p:spTgt spid="10"/>
+                                        </p:tgtEl>
+                                        <p:attrNameLst>
+                                          <p:attrName>style.visibility</p:attrName>
+                                        </p:attrNameLst>
+                                      </p:cBhvr>
+                                      <p:to>
+                                        <p:strVal val="visible"/>
+                                      </p:to>
+                                    </p:set>
+                                    <p:animEffect transition="in" filter="dissolve">
+                                      <p:cBhvr>
+                                        <p:cTn id="7" dur="500"/>
+                                        <p:tgtEl>
+                                          <p:spTgt spid="10"/>
+                                        </p:tgtEl>
+                                      </p:cBhvr>
+                                    </p:animEffect>
+                                  </p:childTnLst>
+                                </p:cTn>
+                              </p:par>
+                              <p:par>
+                                <p:cTn id="8" presetID="9" presetClass="entr" presetSubtype="0" fill="hold" grpId="0" nodeType="withEffect">
+                                  <p:stCondLst>
+                                    <p:cond delay="0"/>
+                                  </p:stCondLst>
+                                  <p:childTnLst>
+                                    <p:set>
+                                      <p:cBhvr>
+                                        <p:cTn id="9" dur="1" fill="hold">
+                                          <p:stCondLst>
+                                            <p:cond delay="0"/>
+                                          </p:stCondLst>
+                                        </p:cTn>
+                                        <p:tgtEl>
+                                          <p:spTgt spid="11"/>
+                                        </p:tgtEl>
+                                        <p:attrNameLst>
+                                          <p:attrName>style.visibility</p:attrName>
+                                        </p:attrNameLst>
+                                      </p:cBhvr>
+                                      <p:to>
+                                        <p:strVal val="visible"/>
+                                      </p:to>
+                                    </p:set>
+                                    <p:animEffect transition="in" filter="dissolve">
+                                      <p:cBhvr>
+                                        <p:cTn id="10" dur="500"/>
+                                        <p:tgtEl>
+                                          <p:spTgt spid="11"/>
+                                        </p:tgtEl>
+                                      </p:cBhvr>
+                                    </p:animEffect>
+                                  </p:childTnLst>
+                                </p:cTn>
+                              </p:par>
+                            </p:childTnLst>
+                          </p:cTn>
+                        </p:par>
+                      </p:childTnLst>
+                    </p:cTn>
+                  </p:par>
+                  <p:par>
+                    <p:cTn id="11" fill="hold">
+                      <p:stCondLst>
+                        <p:cond delay="indefinite"/>
+                      </p:stCondLst>
+                      <p:childTnLst>
+                        <p:par>
+                          <p:cTn id="12" fill="hold">
+                            <p:stCondLst>
+                              <p:cond delay="0"/>
+                            </p:stCondLst>
+                            <p:childTnLst>
+                              <p:par>
+                                <p:cTn id="13" presetID="9" presetClass="entr" presetSubtype="0" fill="hold" grpId="0" nodeType="clickEffect">
+                                  <p:stCondLst>
+                                    <p:cond delay="0"/>
+                                  </p:stCondLst>
+                                  <p:childTnLst>
+                                    <p:set>
+                                      <p:cBhvr>
+                                        <p:cTn id="14" dur="1" fill="hold">
+                                          <p:stCondLst>
+                                            <p:cond delay="0"/>
+                                          </p:stCondLst>
+                                        </p:cTn>
+                                        <p:tgtEl>
+                                          <p:spTgt spid="12"/>
+                                        </p:tgtEl>
+                                        <p:attrNameLst>
+                                          <p:attrName>style.visibility</p:attrName>
+                                        </p:attrNameLst>
+                                      </p:cBhvr>
+                                      <p:to>
+                                        <p:strVal val="visible"/>
+                                      </p:to>
+                                    </p:set>
+                                    <p:animEffect transition="in" filter="dissolve">
+                                      <p:cBhvr>
+                                        <p:cTn id="15" dur="500"/>
+                                        <p:tgtEl>
+                                          <p:spTgt spid="12"/>
+                                        </p:tgtEl>
+                                      </p:cBhvr>
+                                    </p:animEffect>
+                                  </p:childTnLst>
+                                </p:cTn>
+                              </p:par>
+                            </p:childTnLst>
+                          </p:cTn>
+                        </p:par>
+                        <p:par>
+                          <p:cTn id="16" fill="hold">
+                            <p:stCondLst>
+                              <p:cond delay="500"/>
+                            </p:stCondLst>
+                            <p:childTnLst>
+                              <p:par>
+                                <p:cTn id="17" presetID="9" presetClass="entr" presetSubtype="0" fill="hold" nodeType="afterEffect">
+                                  <p:stCondLst>
+                                    <p:cond delay="0"/>
+                                  </p:stCondLst>
+                                  <p:childTnLst>
+                                    <p:set>
+                                      <p:cBhvr>
+                                        <p:cTn id="18" dur="1" fill="hold">
+                                          <p:stCondLst>
+                                            <p:cond delay="0"/>
+                                          </p:stCondLst>
+                                        </p:cTn>
+                                        <p:tgtEl>
+                                          <p:spTgt spid="14"/>
+                                        </p:tgtEl>
+                                        <p:attrNameLst>
+                                          <p:attrName>style.visibility</p:attrName>
+                                        </p:attrNameLst>
+                                      </p:cBhvr>
+                                      <p:to>
+                                        <p:strVal val="visible"/>
+                                      </p:to>
+                                    </p:set>
+                                    <p:animEffect transition="in" filter="dissolve">
+                                      <p:cBhvr>
+                                        <p:cTn id="19" dur="500"/>
+                                        <p:tgtEl>
+                                          <p:spTgt spid="14"/>
+                                        </p:tgtEl>
+                                      </p:cBhvr>
+                                    </p:animEffect>
+                                  </p:childTnLst>
+                                </p:cTn>
+                              </p:par>
+                            </p:childTnLst>
+                          </p:cTn>
+                        </p:par>
+                      </p:childTnLst>
+                    </p:cTn>
+                  </p:par>
+                </p:childTnLst>
+              </p:cTn>
+              <p:prevCondLst>
+                <p:cond evt="onPrev" delay="0">
+                  <p:tgtEl>
+                    <p:sldTgt/>
+                  </p:tgtEl>
+                </p:cond>
+              </p:prevCondLst>
+              <p:nextCondLst>
+                <p:cond evt="onNext" delay="0">
+                  <p:tgtEl>
+                    <p:sldTgt/>
+                  </p:tgtEl>
+                </p:cond>
+              </p:nextCondLst>
+            </p:seq>
+          </p:childTnLst>
+        </p:cTn>
+      </p:par>
+    </p:tnLst>
+    <p:bldLst>
+      <p:bldP spid="11" grpId="0"/>
+      <p:bldP spid="12" grpId="0"/>
+    </p:bldLst>
+  </p:timing>
 </p:sld>
 </file>
 

--- a/PPT/week9.pptx
+++ b/PPT/week9.pptx
@@ -7596,6 +7596,9 @@
                     <p:cTn id="3" fill="hold">
                       <p:stCondLst>
                         <p:cond delay="indefinite"/>
+                        <p:cond evt="onBegin" delay="0">
+                          <p:tn val="2"/>
+                        </p:cond>
                       </p:stCondLst>
                       <p:childTnLst>
                         <p:par>
@@ -7605,7 +7608,7 @@
                             </p:stCondLst>
                             <p:childTnLst>
                               <p:par>
-                                <p:cTn id="5" presetID="3" presetClass="entr" presetSubtype="10" fill="hold" grpId="0" nodeType="clickEffect">
+                                <p:cTn id="5" presetID="3" presetClass="entr" presetSubtype="10" fill="hold" grpId="0" nodeType="withEffect">
                                   <p:stCondLst>
                                     <p:cond delay="0"/>
                                   </p:stCondLst>
@@ -9433,6 +9436,159 @@
   <p:clrMapOvr>
     <a:masterClrMapping/>
   </p:clrMapOvr>
+  <p:timing>
+    <p:tnLst>
+      <p:par>
+        <p:cTn id="1" dur="indefinite" restart="never" nodeType="tmRoot">
+          <p:childTnLst>
+            <p:seq concurrent="1" nextAc="seek">
+              <p:cTn id="2" dur="indefinite" nodeType="mainSeq">
+                <p:childTnLst>
+                  <p:par>
+                    <p:cTn id="3" fill="hold">
+                      <p:stCondLst>
+                        <p:cond delay="indefinite"/>
+                      </p:stCondLst>
+                      <p:childTnLst>
+                        <p:par>
+                          <p:cTn id="4" fill="hold">
+                            <p:stCondLst>
+                              <p:cond delay="0"/>
+                            </p:stCondLst>
+                            <p:childTnLst>
+                              <p:par>
+                                <p:cTn id="5" presetID="3" presetClass="entr" presetSubtype="10" fill="hold" nodeType="clickEffect">
+                                  <p:stCondLst>
+                                    <p:cond delay="0"/>
+                                  </p:stCondLst>
+                                  <p:childTnLst>
+                                    <p:set>
+                                      <p:cBhvr>
+                                        <p:cTn id="6" dur="1" fill="hold">
+                                          <p:stCondLst>
+                                            <p:cond delay="0"/>
+                                          </p:stCondLst>
+                                        </p:cTn>
+                                        <p:tgtEl>
+                                          <p:spTgt spid="6"/>
+                                        </p:tgtEl>
+                                        <p:attrNameLst>
+                                          <p:attrName>style.visibility</p:attrName>
+                                        </p:attrNameLst>
+                                      </p:cBhvr>
+                                      <p:to>
+                                        <p:strVal val="visible"/>
+                                      </p:to>
+                                    </p:set>
+                                    <p:animEffect transition="in" filter="blinds(horizontal)">
+                                      <p:cBhvr>
+                                        <p:cTn id="7" dur="500"/>
+                                        <p:tgtEl>
+                                          <p:spTgt spid="6"/>
+                                        </p:tgtEl>
+                                      </p:cBhvr>
+                                    </p:animEffect>
+                                  </p:childTnLst>
+                                </p:cTn>
+                              </p:par>
+                              <p:par>
+                                <p:cTn id="8" presetID="3" presetClass="entr" presetSubtype="10" fill="hold" nodeType="withEffect">
+                                  <p:stCondLst>
+                                    <p:cond delay="0"/>
+                                  </p:stCondLst>
+                                  <p:childTnLst>
+                                    <p:set>
+                                      <p:cBhvr>
+                                        <p:cTn id="9" dur="1" fill="hold">
+                                          <p:stCondLst>
+                                            <p:cond delay="0"/>
+                                          </p:stCondLst>
+                                        </p:cTn>
+                                        <p:tgtEl>
+                                          <p:spTgt spid="11"/>
+                                        </p:tgtEl>
+                                        <p:attrNameLst>
+                                          <p:attrName>style.visibility</p:attrName>
+                                        </p:attrNameLst>
+                                      </p:cBhvr>
+                                      <p:to>
+                                        <p:strVal val="visible"/>
+                                      </p:to>
+                                    </p:set>
+                                    <p:animEffect transition="in" filter="blinds(horizontal)">
+                                      <p:cBhvr>
+                                        <p:cTn id="10" dur="500"/>
+                                        <p:tgtEl>
+                                          <p:spTgt spid="11"/>
+                                        </p:tgtEl>
+                                      </p:cBhvr>
+                                    </p:animEffect>
+                                  </p:childTnLst>
+                                </p:cTn>
+                              </p:par>
+                              <p:par>
+                                <p:cTn id="11" presetID="3" presetClass="entr" presetSubtype="10" fill="hold" nodeType="withEffect">
+                                  <p:stCondLst>
+                                    <p:cond delay="0"/>
+                                  </p:stCondLst>
+                                  <p:childTnLst>
+                                    <p:set>
+                                      <p:cBhvr>
+                                        <p:cTn id="12" dur="1" fill="hold">
+                                          <p:stCondLst>
+                                            <p:cond delay="0"/>
+                                          </p:stCondLst>
+                                        </p:cTn>
+                                        <p:tgtEl>
+                                          <p:spTgt spid="13"/>
+                                        </p:tgtEl>
+                                        <p:attrNameLst>
+                                          <p:attrName>style.visibility</p:attrName>
+                                        </p:attrNameLst>
+                                      </p:cBhvr>
+                                      <p:to>
+                                        <p:strVal val="visible"/>
+                                      </p:to>
+                                    </p:set>
+                                    <p:animEffect transition="in" filter="blinds(horizontal)">
+                                      <p:cBhvr>
+                                        <p:cTn id="13" dur="500"/>
+                                        <p:tgtEl>
+                                          <p:spTgt spid="13"/>
+                                        </p:tgtEl>
+                                      </p:cBhvr>
+                                    </p:animEffect>
+                                  </p:childTnLst>
+                                </p:cTn>
+                              </p:par>
+                            </p:childTnLst>
+                          </p:cTn>
+                        </p:par>
+                      </p:childTnLst>
+                    </p:cTn>
+                  </p:par>
+                </p:childTnLst>
+              </p:cTn>
+              <p:prevCondLst>
+                <p:cond evt="onPrev" delay="0">
+                  <p:tgtEl>
+                    <p:sldTgt/>
+                  </p:tgtEl>
+                </p:cond>
+              </p:prevCondLst>
+              <p:nextCondLst>
+                <p:cond evt="onNext" delay="0">
+                  <p:tgtEl>
+                    <p:sldTgt/>
+                  </p:tgtEl>
+                </p:cond>
+              </p:nextCondLst>
+            </p:seq>
+          </p:childTnLst>
+        </p:cTn>
+      </p:par>
+    </p:tnLst>
+  </p:timing>
 </p:sld>
 </file>
 
@@ -9658,6 +9814,36 @@
           </a:prstGeom>
         </p:spPr>
       </p:pic>
+      <p:pic>
+        <p:nvPicPr>
+          <p:cNvPr id="7" name="그림 6">
+            <a:extLst>
+              <a:ext uri="{FF2B5EF4-FFF2-40B4-BE49-F238E27FC236}">
+                <a16:creationId xmlns:a16="http://schemas.microsoft.com/office/drawing/2014/main" id="{26180366-E340-5D4F-8297-A96625008334}"/>
+              </a:ext>
+            </a:extLst>
+          </p:cNvPr>
+          <p:cNvPicPr>
+            <a:picLocks noChangeAspect="1"/>
+          </p:cNvPicPr>
+          <p:nvPr/>
+        </p:nvPicPr>
+        <p:blipFill>
+          <a:blip r:embed="rId3"/>
+          <a:stretch>
+            <a:fillRect/>
+          </a:stretch>
+        </p:blipFill>
+        <p:spPr>
+          <a:xfrm>
+            <a:off x="2633384" y="757097"/>
+            <a:ext cx="2103849" cy="3740176"/>
+          </a:xfrm>
+          <a:prstGeom prst="rect">
+            <a:avLst/>
+          </a:prstGeom>
+        </p:spPr>
+      </p:pic>
     </p:spTree>
     <p:extLst>
       <p:ext uri="{BB962C8B-B14F-4D97-AF65-F5344CB8AC3E}">
@@ -9668,6 +9854,124 @@
   <p:clrMapOvr>
     <a:masterClrMapping/>
   </p:clrMapOvr>
+  <p:timing>
+    <p:tnLst>
+      <p:par>
+        <p:cTn id="1" dur="indefinite" restart="never" nodeType="tmRoot">
+          <p:childTnLst>
+            <p:seq concurrent="1" nextAc="seek">
+              <p:cTn id="2" dur="indefinite" nodeType="mainSeq">
+                <p:childTnLst>
+                  <p:par>
+                    <p:cTn id="3" fill="hold">
+                      <p:stCondLst>
+                        <p:cond delay="indefinite"/>
+                      </p:stCondLst>
+                      <p:childTnLst>
+                        <p:par>
+                          <p:cTn id="4" fill="hold">
+                            <p:stCondLst>
+                              <p:cond delay="0"/>
+                            </p:stCondLst>
+                            <p:childTnLst>
+                              <p:par>
+                                <p:cTn id="5" presetID="3" presetClass="entr" presetSubtype="10" fill="hold" nodeType="clickEffect">
+                                  <p:stCondLst>
+                                    <p:cond delay="0"/>
+                                  </p:stCondLst>
+                                  <p:childTnLst>
+                                    <p:set>
+                                      <p:cBhvr>
+                                        <p:cTn id="6" dur="1" fill="hold">
+                                          <p:stCondLst>
+                                            <p:cond delay="0"/>
+                                          </p:stCondLst>
+                                        </p:cTn>
+                                        <p:tgtEl>
+                                          <p:spTgt spid="7"/>
+                                        </p:tgtEl>
+                                        <p:attrNameLst>
+                                          <p:attrName>style.visibility</p:attrName>
+                                        </p:attrNameLst>
+                                      </p:cBhvr>
+                                      <p:to>
+                                        <p:strVal val="visible"/>
+                                      </p:to>
+                                    </p:set>
+                                    <p:animEffect transition="in" filter="blinds(horizontal)">
+                                      <p:cBhvr>
+                                        <p:cTn id="7" dur="500"/>
+                                        <p:tgtEl>
+                                          <p:spTgt spid="7"/>
+                                        </p:tgtEl>
+                                      </p:cBhvr>
+                                    </p:animEffect>
+                                  </p:childTnLst>
+                                </p:cTn>
+                              </p:par>
+                              <p:par>
+                                <p:cTn id="8" presetID="3" presetClass="entr" presetSubtype="10" fill="hold" nodeType="withEffect">
+                                  <p:stCondLst>
+                                    <p:cond delay="0"/>
+                                  </p:stCondLst>
+                                  <p:childTnLst>
+                                    <p:set>
+                                      <p:cBhvr>
+                                        <p:cTn id="9" dur="1" fill="hold">
+                                          <p:stCondLst>
+                                            <p:cond delay="0"/>
+                                          </p:stCondLst>
+                                        </p:cTn>
+                                        <p:tgtEl>
+                                          <p:spTgt spid="6"/>
+                                        </p:tgtEl>
+                                        <p:attrNameLst>
+                                          <p:attrName>style.visibility</p:attrName>
+                                        </p:attrNameLst>
+                                      </p:cBhvr>
+                                      <p:to>
+                                        <p:strVal val="visible"/>
+                                      </p:to>
+                                    </p:set>
+                                    <p:animEffect transition="in" filter="blinds(horizontal)">
+                                      <p:cBhvr>
+                                        <p:cTn id="10" dur="500"/>
+                                        <p:tgtEl>
+                                          <p:spTgt spid="6"/>
+                                        </p:tgtEl>
+                                      </p:cBhvr>
+                                    </p:animEffect>
+                                  </p:childTnLst>
+                                </p:cTn>
+                              </p:par>
+                            </p:childTnLst>
+                          </p:cTn>
+                        </p:par>
+                      </p:childTnLst>
+                    </p:cTn>
+                  </p:par>
+                </p:childTnLst>
+              </p:cTn>
+              <p:prevCondLst>
+                <p:cond evt="onPrev" delay="0">
+                  <p:tgtEl>
+                    <p:sldTgt/>
+                  </p:tgtEl>
+                </p:cond>
+              </p:prevCondLst>
+              <p:nextCondLst>
+                <p:cond evt="onNext" delay="0">
+                  <p:tgtEl>
+                    <p:sldTgt/>
+                  </p:tgtEl>
+                </p:cond>
+              </p:nextCondLst>
+            </p:seq>
+          </p:childTnLst>
+        </p:cTn>
+      </p:par>
+    </p:tnLst>
+  </p:timing>
 </p:sld>
 </file>
 

--- a/PPT/week9.pptx
+++ b/PPT/week9.pptx
@@ -210,7 +210,7 @@
           <a:p>
             <a:fld id="{3F2533BA-0976-EB4B-84EF-DDF19D42F303}" type="datetimeFigureOut">
               <a:rPr kumimoji="1" lang="ko-KR" altLang="en-US" smtClean="0"/>
-              <a:t>2019. 10. 29.</a:t>
+              <a:t>2019. 10. 30.</a:t>
             </a:fld>
             <a:endParaRPr kumimoji="1" lang="ko-KR" altLang="en-US"/>
           </a:p>
@@ -808,7 +808,7 @@
           <a:p>
             <a:fld id="{5D0C1645-25E6-41BF-B87C-F9AA37815DD9}" type="datetime1">
               <a:rPr lang="en-US" altLang="ko-KR" smtClean="0"/>
-              <a:t>10/29/19</a:t>
+              <a:t>10/30/19</a:t>
             </a:fld>
             <a:endParaRPr lang="en-US" dirty="0"/>
           </a:p>
@@ -1128,7 +1128,7 @@
           <a:p>
             <a:fld id="{45D33D12-9695-4FAF-9157-E0BA6F73ACC5}" type="datetime1">
               <a:rPr lang="en-US" altLang="ko-KR" smtClean="0"/>
-              <a:t>10/29/19</a:t>
+              <a:t>10/30/19</a:t>
             </a:fld>
             <a:endParaRPr lang="en-US" dirty="0"/>
           </a:p>
@@ -1372,7 +1372,7 @@
           <a:p>
             <a:fld id="{4862464C-2CD4-4224-840E-BBA8AA7ABE6E}" type="datetime1">
               <a:rPr lang="en-US" altLang="ko-KR" smtClean="0"/>
-              <a:t>10/29/19</a:t>
+              <a:t>10/30/19</a:t>
             </a:fld>
             <a:endParaRPr lang="en-US" dirty="0"/>
           </a:p>
@@ -1707,7 +1707,7 @@
           <a:p>
             <a:fld id="{CD04B2A6-4792-49D7-8321-5B3FC0F38314}" type="datetime1">
               <a:rPr lang="en-US" altLang="ko-KR" smtClean="0"/>
-              <a:t>10/29/19</a:t>
+              <a:t>10/30/19</a:t>
             </a:fld>
             <a:endParaRPr lang="en-US" dirty="0"/>
           </a:p>
@@ -2050,7 +2050,7 @@
           <a:p>
             <a:fld id="{97EC4233-4DEA-4A99-9989-EB9F0F8BC255}" type="datetime1">
               <a:rPr lang="en-US" altLang="ko-KR" smtClean="0"/>
-              <a:t>10/29/19</a:t>
+              <a:t>10/30/19</a:t>
             </a:fld>
             <a:endParaRPr lang="en-US" dirty="0"/>
           </a:p>
@@ -2420,7 +2420,7 @@
           <a:p>
             <a:fld id="{7B103A77-8272-41B5-B371-67BB30FF99A2}" type="datetime1">
               <a:rPr lang="en-US" altLang="ko-KR" smtClean="0"/>
-              <a:t>10/29/19</a:t>
+              <a:t>10/30/19</a:t>
             </a:fld>
             <a:endParaRPr lang="en-US" dirty="0"/>
           </a:p>
@@ -2886,7 +2886,7 @@
           <a:p>
             <a:fld id="{5A6C5DB1-C5D8-4A66-83BC-B68383AA2487}" type="datetime1">
               <a:rPr lang="en-US" altLang="ko-KR" smtClean="0"/>
-              <a:t>10/29/19</a:t>
+              <a:t>10/30/19</a:t>
             </a:fld>
             <a:endParaRPr lang="en-US" dirty="0"/>
           </a:p>
@@ -3087,7 +3087,7 @@
           <a:p>
             <a:fld id="{725849F2-1955-4A41-95B3-6695582763D8}" type="datetime1">
               <a:rPr lang="en-US" altLang="ko-KR" smtClean="0"/>
-              <a:t>10/29/19</a:t>
+              <a:t>10/30/19</a:t>
             </a:fld>
             <a:endParaRPr lang="en-US" dirty="0"/>
           </a:p>
@@ -3294,7 +3294,7 @@
           <a:p>
             <a:fld id="{7D440A30-9301-4700-81E8-099C96E14509}" type="datetime1">
               <a:rPr lang="en-US" altLang="ko-KR" smtClean="0"/>
-              <a:t>10/29/19</a:t>
+              <a:t>10/30/19</a:t>
             </a:fld>
             <a:endParaRPr lang="en-US" dirty="0"/>
           </a:p>
@@ -3522,7 +3522,7 @@
           <a:p>
             <a:fld id="{31BA4331-AA89-4FC2-9C53-58673B5CE874}" type="datetime1">
               <a:rPr lang="en-US" altLang="ko-KR" smtClean="0"/>
-              <a:t>10/29/19</a:t>
+              <a:t>10/30/19</a:t>
             </a:fld>
             <a:endParaRPr lang="en-US" dirty="0"/>
           </a:p>
@@ -3765,7 +3765,7 @@
           <a:p>
             <a:fld id="{4680AAF0-1125-42C6-90C2-AFEA83521494}" type="datetime1">
               <a:rPr lang="en-US" altLang="ko-KR" smtClean="0"/>
-              <a:t>10/29/19</a:t>
+              <a:t>10/30/19</a:t>
             </a:fld>
             <a:endParaRPr lang="en-US" dirty="0"/>
           </a:p>
@@ -4059,7 +4059,7 @@
           <a:p>
             <a:fld id="{93D786CA-06F4-4BA4-A5EE-D2329353966E}" type="datetime1">
               <a:rPr lang="en-US" altLang="ko-KR" smtClean="0"/>
-              <a:t>10/29/19</a:t>
+              <a:t>10/30/19</a:t>
             </a:fld>
             <a:endParaRPr lang="en-US" dirty="0"/>
           </a:p>
@@ -4448,7 +4448,7 @@
           <a:p>
             <a:fld id="{6394B724-79DB-48AA-93E5-65E8308D6D13}" type="datetime1">
               <a:rPr lang="en-US" altLang="ko-KR" smtClean="0"/>
-              <a:t>10/29/19</a:t>
+              <a:t>10/30/19</a:t>
             </a:fld>
             <a:endParaRPr lang="en-US" dirty="0"/>
           </a:p>
@@ -4593,7 +4593,7 @@
           <a:p>
             <a:fld id="{4B22ADBF-AB37-44FE-ADC1-50E9155CF37B}" type="datetime1">
               <a:rPr lang="en-US" altLang="ko-KR" smtClean="0"/>
-              <a:t>10/29/19</a:t>
+              <a:t>10/30/19</a:t>
             </a:fld>
             <a:endParaRPr lang="en-US" dirty="0"/>
           </a:p>
@@ -4715,7 +4715,7 @@
           <a:p>
             <a:fld id="{B959D7A4-3C3C-4FD3-ABEC-D20B57608D18}" type="datetime1">
               <a:rPr lang="en-US" altLang="ko-KR" smtClean="0"/>
-              <a:t>10/29/19</a:t>
+              <a:t>10/30/19</a:t>
             </a:fld>
             <a:endParaRPr lang="en-US" dirty="0"/>
           </a:p>
@@ -4966,7 +4966,7 @@
           <a:p>
             <a:fld id="{7433C1C3-F50A-409C-9063-0F8E7E00FA2A}" type="datetime1">
               <a:rPr lang="en-US" altLang="ko-KR" smtClean="0"/>
-              <a:t>10/29/19</a:t>
+              <a:t>10/30/19</a:t>
             </a:fld>
             <a:endParaRPr lang="en-US" dirty="0"/>
           </a:p>
@@ -5277,7 +5277,7 @@
           <a:p>
             <a:fld id="{488A090D-7177-4E90-8524-93B583CF22C8}" type="datetime1">
               <a:rPr lang="en-US" altLang="ko-KR" smtClean="0"/>
-              <a:t>10/29/19</a:t>
+              <a:t>10/30/19</a:t>
             </a:fld>
             <a:endParaRPr lang="en-US" dirty="0"/>
           </a:p>
@@ -5624,7 +5624,7 @@
           <a:p>
             <a:fld id="{B71BFEE3-D061-451D-854A-06697D87F35E}" type="datetime1">
               <a:rPr lang="en-US" altLang="ko-KR" smtClean="0"/>
-              <a:t>10/29/19</a:t>
+              <a:t>10/30/19</a:t>
             </a:fld>
             <a:endParaRPr lang="en-US" dirty="0"/>
           </a:p>

--- a/PPT/week9.pptx
+++ b/PPT/week9.pptx
@@ -7394,7 +7394,7 @@
           <a:p>
             <a:pPr algn="ctr"/>
             <a:r>
-              <a:rPr lang="en-US" altLang="ko-KR" sz="3200" dirty="0">
+              <a:rPr lang="en-US" altLang="ko-KR" sz="3200">
                 <a:ln w="0"/>
                 <a:effectLst>
                   <a:outerShdw blurRad="38100" dist="19050" dir="2700000" algn="tl" rotWithShape="0">
@@ -7406,6 +7406,16 @@
               </a:rPr>
               <a:t>3. Schedule</a:t>
             </a:r>
+            <a:endParaRPr lang="en-US" altLang="ko-KR" sz="3200" dirty="0">
+              <a:ln w="0"/>
+              <a:effectLst>
+                <a:outerShdw blurRad="38100" dist="19050" dir="2700000" algn="tl" rotWithShape="0">
+                  <a:schemeClr val="dk1">
+                    <a:alpha val="40000"/>
+                  </a:schemeClr>
+                </a:outerShdw>
+              </a:effectLst>
+            </a:endParaRPr>
           </a:p>
         </p:txBody>
       </p:sp>
@@ -7425,7 +7435,12 @@
             <p:ph type="sldNum" sz="quarter" idx="12"/>
           </p:nvPr>
         </p:nvSpPr>
-        <p:spPr/>
+        <p:spPr>
+          <a:xfrm>
+            <a:off x="10353901" y="5969000"/>
+            <a:ext cx="542697" cy="279400"/>
+          </a:xfrm>
+        </p:spPr>
         <p:txBody>
           <a:bodyPr/>
           <a:lstStyle/>
@@ -7439,6 +7454,36 @@
           </a:p>
         </p:txBody>
       </p:sp>
+      <p:pic>
+        <p:nvPicPr>
+          <p:cNvPr id="5" name="그림 4">
+            <a:extLst>
+              <a:ext uri="{FF2B5EF4-FFF2-40B4-BE49-F238E27FC236}">
+                <a16:creationId xmlns:a16="http://schemas.microsoft.com/office/drawing/2014/main" id="{83BFCD8A-2949-154D-8FE1-1B2AC5C11BD1}"/>
+              </a:ext>
+            </a:extLst>
+          </p:cNvPr>
+          <p:cNvPicPr>
+            <a:picLocks noChangeAspect="1"/>
+          </p:cNvPicPr>
+          <p:nvPr/>
+        </p:nvPicPr>
+        <p:blipFill>
+          <a:blip r:embed="rId2"/>
+          <a:stretch>
+            <a:fillRect/>
+          </a:stretch>
+        </p:blipFill>
+        <p:spPr>
+          <a:xfrm>
+            <a:off x="2983833" y="611857"/>
+            <a:ext cx="7029092" cy="5634285"/>
+          </a:xfrm>
+          <a:prstGeom prst="rect">
+            <a:avLst/>
+          </a:prstGeom>
+        </p:spPr>
+      </p:pic>
     </p:spTree>
     <p:extLst>
       <p:ext uri="{BB962C8B-B14F-4D97-AF65-F5344CB8AC3E}">
